--- a/Skriftlighed_og_mundtlighed.pptx
+++ b/Skriftlighed_og_mundtlighed.pptx
@@ -15,12 +15,13 @@
     <p:sldId id="269" r:id="rId9"/>
     <p:sldId id="270" r:id="rId10"/>
     <p:sldId id="274" r:id="rId11"/>
-    <p:sldId id="275" r:id="rId12"/>
-    <p:sldId id="271" r:id="rId13"/>
-    <p:sldId id="264" r:id="rId14"/>
-    <p:sldId id="266" r:id="rId15"/>
-    <p:sldId id="265" r:id="rId16"/>
-    <p:sldId id="272" r:id="rId17"/>
+    <p:sldId id="276" r:id="rId12"/>
+    <p:sldId id="275" r:id="rId13"/>
+    <p:sldId id="271" r:id="rId14"/>
+    <p:sldId id="264" r:id="rId15"/>
+    <p:sldId id="266" r:id="rId16"/>
+    <p:sldId id="265" r:id="rId17"/>
+    <p:sldId id="272" r:id="rId18"/>
   </p:sldIdLst>
   <p:sldSz cx="9144000" cy="6858000" type="screen4x3"/>
   <p:notesSz cx="6858000" cy="9144000"/>
@@ -3117,62 +3118,64 @@
         </p:nvSpPr>
         <p:spPr/>
         <p:txBody>
-          <a:bodyPr/>
+          <a:bodyPr>
+            <a:normAutofit/>
+          </a:bodyPr>
           <a:lstStyle/>
           <a:p>
             <a:pPr marL="0" indent="0">
               <a:buNone/>
             </a:pPr>
             <a:r>
-              <a:rPr dirty="0" err="1">
+              <a:rPr sz="4400" dirty="0" err="1">
                 <a:latin typeface="Rockwell" panose="02060603020205020403" pitchFamily="18" charset="77"/>
               </a:rPr>
               <a:t>Skriftlige</a:t>
             </a:r>
             <a:r>
-              <a:rPr dirty="0">
+              <a:rPr sz="4400" dirty="0">
                 <a:latin typeface="Rockwell" panose="02060603020205020403" pitchFamily="18" charset="77"/>
               </a:rPr>
               <a:t> </a:t>
             </a:r>
             <a:r>
-              <a:rPr dirty="0" err="1">
+              <a:rPr sz="4400" dirty="0" err="1">
                 <a:latin typeface="Rockwell" panose="02060603020205020403" pitchFamily="18" charset="77"/>
               </a:rPr>
               <a:t>og</a:t>
             </a:r>
             <a:r>
-              <a:rPr dirty="0">
+              <a:rPr sz="4400" dirty="0">
                 <a:latin typeface="Rockwell" panose="02060603020205020403" pitchFamily="18" charset="77"/>
               </a:rPr>
               <a:t> </a:t>
             </a:r>
             <a:r>
-              <a:rPr dirty="0" err="1">
+              <a:rPr sz="4400" dirty="0" err="1">
                 <a:latin typeface="Rockwell" panose="02060603020205020403" pitchFamily="18" charset="77"/>
               </a:rPr>
               <a:t>mundtlige</a:t>
             </a:r>
             <a:r>
-              <a:rPr dirty="0">
+              <a:rPr sz="4400" dirty="0">
                 <a:latin typeface="Rockwell" panose="02060603020205020403" pitchFamily="18" charset="77"/>
               </a:rPr>
               <a:t> </a:t>
             </a:r>
             <a:r>
-              <a:rPr dirty="0" err="1">
+              <a:rPr sz="4400" dirty="0" err="1">
                 <a:latin typeface="Rockwell" panose="02060603020205020403" pitchFamily="18" charset="77"/>
               </a:rPr>
               <a:t>kompetencer</a:t>
             </a:r>
             <a:r>
-              <a:rPr lang="da-DK" dirty="0">
+              <a:rPr lang="da-DK" sz="4400" dirty="0">
                 <a:latin typeface="Rockwell" panose="02060603020205020403" pitchFamily="18" charset="77"/>
               </a:rPr>
               <a:t> i </a:t>
             </a:r>
             <a:r>
-              <a:rPr lang="en-GB" b="0" i="0" dirty="0" err="1">
+              <a:rPr lang="en-GB" sz="4400" b="0" i="0" dirty="0" err="1">
                 <a:solidFill>
                   <a:srgbClr val="292929"/>
                 </a:solidFill>
@@ -3181,7 +3184,7 @@
               </a:rPr>
               <a:t>Programmering</a:t>
             </a:r>
-            <a:endParaRPr dirty="0">
+            <a:endParaRPr sz="4400" dirty="0">
               <a:latin typeface="Rockwell" panose="02060603020205020403" pitchFamily="18" charset="77"/>
             </a:endParaRPr>
           </a:p>
@@ -3228,7 +3231,7 @@
             </a:br>
             <a:r>
               <a:rPr lang="en-DK" sz="3200" dirty="0"/>
-              <a:t>version 1.0</a:t>
+              <a:t>version 1.1</a:t>
             </a:r>
           </a:p>
         </p:txBody>
@@ -3280,11 +3283,15 @@
           <a:lstStyle/>
           <a:p>
             <a:r>
-              <a:rPr lang="en-GB" dirty="0"/>
+              <a:rPr lang="en-GB" dirty="0">
+                <a:latin typeface="Rockwell" panose="02060603020205020403" pitchFamily="18" charset="77"/>
+              </a:rPr>
               <a:t>I</a:t>
             </a:r>
             <a:r>
-              <a:rPr lang="en-DK" dirty="0"/>
+              <a:rPr lang="en-DK" dirty="0">
+                <a:latin typeface="Rockwell" panose="02060603020205020403" pitchFamily="18" charset="77"/>
+              </a:rPr>
               <a:t> Rapport</a:t>
             </a:r>
           </a:p>
@@ -4594,6 +4601,163 @@
           <p:cNvPr id="2" name="Title 1">
             <a:extLst>
               <a:ext uri="{FF2B5EF4-FFF2-40B4-BE49-F238E27FC236}">
+                <a16:creationId xmlns:a16="http://schemas.microsoft.com/office/drawing/2014/main" id="{EFF3F87B-0394-3585-2CCD-4A0773A3B913}"/>
+              </a:ext>
+            </a:extLst>
+          </p:cNvPr>
+          <p:cNvSpPr>
+            <a:spLocks noGrp="1"/>
+          </p:cNvSpPr>
+          <p:nvPr>
+            <p:ph type="title"/>
+          </p:nvPr>
+        </p:nvSpPr>
+        <p:spPr/>
+        <p:txBody>
+          <a:bodyPr/>
+          <a:lstStyle/>
+          <a:p>
+            <a:r>
+              <a:rPr lang="en-GB" dirty="0">
+                <a:latin typeface="Rockwell" panose="02060603020205020403" pitchFamily="18" charset="77"/>
+              </a:rPr>
+              <a:t>R</a:t>
+            </a:r>
+            <a:r>
+              <a:rPr lang="en-DK" dirty="0">
+                <a:latin typeface="Rockwell" panose="02060603020205020403" pitchFamily="18" charset="77"/>
+              </a:rPr>
+              <a:t>apport-</a:t>
+            </a:r>
+            <a:r>
+              <a:rPr lang="en-GB" i="0" dirty="0">
+                <a:solidFill>
+                  <a:srgbClr val="333333"/>
+                </a:solidFill>
+                <a:effectLst/>
+                <a:latin typeface="Rockwell" panose="02060603020205020403" pitchFamily="18" charset="77"/>
+              </a:rPr>
+              <a:t> Test </a:t>
+            </a:r>
+            <a:r>
+              <a:rPr lang="en-GB" i="0" dirty="0" err="1">
+                <a:solidFill>
+                  <a:srgbClr val="333333"/>
+                </a:solidFill>
+                <a:effectLst/>
+                <a:latin typeface="Rockwell" panose="02060603020205020403" pitchFamily="18" charset="77"/>
+              </a:rPr>
+              <a:t>af</a:t>
+            </a:r>
+            <a:r>
+              <a:rPr lang="en-GB" i="0" dirty="0">
+                <a:solidFill>
+                  <a:srgbClr val="333333"/>
+                </a:solidFill>
+                <a:effectLst/>
+                <a:latin typeface="Rockwell" panose="02060603020205020403" pitchFamily="18" charset="77"/>
+              </a:rPr>
+              <a:t> </a:t>
+            </a:r>
+            <a:r>
+              <a:rPr lang="en-GB" i="0" dirty="0" err="1">
+                <a:solidFill>
+                  <a:srgbClr val="333333"/>
+                </a:solidFill>
+                <a:effectLst/>
+                <a:latin typeface="Rockwell" panose="02060603020205020403" pitchFamily="18" charset="77"/>
+              </a:rPr>
+              <a:t>programmet</a:t>
+            </a:r>
+            <a:endParaRPr lang="en-DK" dirty="0">
+              <a:latin typeface="Rockwell" panose="02060603020205020403" pitchFamily="18" charset="77"/>
+            </a:endParaRPr>
+          </a:p>
+        </p:txBody>
+      </p:sp>
+      <p:sp>
+        <p:nvSpPr>
+          <p:cNvPr id="3" name="Content Placeholder 2">
+            <a:extLst>
+              <a:ext uri="{FF2B5EF4-FFF2-40B4-BE49-F238E27FC236}">
+                <a16:creationId xmlns:a16="http://schemas.microsoft.com/office/drawing/2014/main" id="{B7A8578F-8999-B9FA-9DC6-9F39151D873F}"/>
+              </a:ext>
+            </a:extLst>
+          </p:cNvPr>
+          <p:cNvSpPr>
+            <a:spLocks noGrp="1"/>
+          </p:cNvSpPr>
+          <p:nvPr>
+            <p:ph idx="1"/>
+          </p:nvPr>
+        </p:nvSpPr>
+        <p:spPr/>
+        <p:txBody>
+          <a:bodyPr/>
+          <a:lstStyle/>
+          <a:p>
+            <a:r>
+              <a:rPr lang="en-DK" dirty="0"/>
+              <a:t>RWD test</a:t>
+            </a:r>
+          </a:p>
+          <a:p>
+            <a:r>
+              <a:rPr lang="en-GB" dirty="0"/>
+              <a:t>V</a:t>
+            </a:r>
+            <a:r>
+              <a:rPr lang="en-DK" dirty="0"/>
+              <a:t>alidering test</a:t>
+            </a:r>
+          </a:p>
+          <a:p>
+            <a:r>
+              <a:rPr lang="en-GB" dirty="0"/>
+              <a:t>B</a:t>
+            </a:r>
+            <a:r>
+              <a:rPr lang="en-DK" dirty="0"/>
+              <a:t>rowser test –A11y test…</a:t>
+            </a:r>
+          </a:p>
+        </p:txBody>
+      </p:sp>
+    </p:spTree>
+    <p:extLst>
+      <p:ext uri="{BB962C8B-B14F-4D97-AF65-F5344CB8AC3E}">
+        <p14:creationId xmlns:p14="http://schemas.microsoft.com/office/powerpoint/2010/main" val="3834838477"/>
+      </p:ext>
+    </p:extLst>
+  </p:cSld>
+  <p:clrMapOvr>
+    <a:masterClrMapping/>
+  </p:clrMapOvr>
+</p:sld>
+</file>
+
+<file path=ppt/slides/slide12.xml><?xml version="1.0" encoding="utf-8"?>
+<p:sld xmlns:a="http://schemas.openxmlformats.org/drawingml/2006/main" xmlns:r="http://schemas.openxmlformats.org/officeDocument/2006/relationships" xmlns:p="http://schemas.openxmlformats.org/presentationml/2006/main">
+  <p:cSld>
+    <p:spTree>
+      <p:nvGrpSpPr>
+        <p:cNvPr id="1" name=""/>
+        <p:cNvGrpSpPr/>
+        <p:nvPr/>
+      </p:nvGrpSpPr>
+      <p:grpSpPr>
+        <a:xfrm>
+          <a:off x="0" y="0"/>
+          <a:ext cx="0" cy="0"/>
+          <a:chOff x="0" y="0"/>
+          <a:chExt cx="0" cy="0"/>
+        </a:xfrm>
+      </p:grpSpPr>
+      <p:sp>
+        <p:nvSpPr>
+          <p:cNvPr id="2" name="Title 1">
+            <a:extLst>
+              <a:ext uri="{FF2B5EF4-FFF2-40B4-BE49-F238E27FC236}">
                 <a16:creationId xmlns:a16="http://schemas.microsoft.com/office/drawing/2014/main" id="{005EFE64-1491-4F08-5374-2014BC3EEF71}"/>
               </a:ext>
             </a:extLst>
@@ -4611,18 +4775,26 @@
           <a:lstStyle/>
           <a:p>
             <a:r>
-              <a:rPr lang="en-GB" dirty="0" err="1"/>
+              <a:rPr lang="en-GB" dirty="0" err="1">
+                <a:latin typeface="Rockwell" panose="02060603020205020403" pitchFamily="18" charset="77"/>
+              </a:rPr>
               <a:t>Discussion:technology</a:t>
             </a:r>
             <a:r>
-              <a:rPr lang="en-GB" dirty="0"/>
-              <a:t> </a:t>
-            </a:r>
-            <a:r>
-              <a:rPr lang="en-GB" dirty="0" err="1"/>
+              <a:rPr lang="en-GB" dirty="0">
+                <a:latin typeface="Rockwell" panose="02060603020205020403" pitchFamily="18" charset="77"/>
+              </a:rPr>
+              <a:t> </a:t>
+            </a:r>
+            <a:r>
+              <a:rPr lang="en-GB" dirty="0" err="1">
+                <a:latin typeface="Rockwell" panose="02060603020205020403" pitchFamily="18" charset="77"/>
+              </a:rPr>
               <a:t>valg</a:t>
             </a:r>
-            <a:endParaRPr lang="en-DK" dirty="0"/>
+            <a:endParaRPr lang="en-DK" dirty="0">
+              <a:latin typeface="Rockwell" panose="02060603020205020403" pitchFamily="18" charset="77"/>
+            </a:endParaRPr>
           </a:p>
         </p:txBody>
       </p:sp>
@@ -5197,7 +5369,7 @@
 </p:sld>
 </file>
 
-<file path=ppt/slides/slide12.xml><?xml version="1.0" encoding="utf-8"?>
+<file path=ppt/slides/slide13.xml><?xml version="1.0" encoding="utf-8"?>
 <p:sld xmlns:a="http://schemas.openxmlformats.org/drawingml/2006/main" xmlns:r="http://schemas.openxmlformats.org/officeDocument/2006/relationships" xmlns:p="http://schemas.openxmlformats.org/presentationml/2006/main">
   <p:cSld>
     <p:spTree>
@@ -5236,11 +5408,15 @@
           <a:lstStyle/>
           <a:p>
             <a:r>
-              <a:rPr lang="en-GB" dirty="0"/>
+              <a:rPr lang="en-GB" dirty="0">
+                <a:latin typeface="Rockwell" panose="02060603020205020403" pitchFamily="18" charset="77"/>
+              </a:rPr>
               <a:t>O</a:t>
             </a:r>
             <a:r>
-              <a:rPr lang="en-DK" dirty="0"/>
+              <a:rPr lang="en-DK" dirty="0">
+                <a:latin typeface="Rockwell" panose="02060603020205020403" pitchFamily="18" charset="77"/>
+              </a:rPr>
               <a:t>pret Readme.md (Github)</a:t>
             </a:r>
           </a:p>
@@ -5618,7 +5794,7 @@
 </p:sld>
 </file>
 
-<file path=ppt/slides/slide13.xml><?xml version="1.0" encoding="utf-8"?>
+<file path=ppt/slides/slide14.xml><?xml version="1.0" encoding="utf-8"?>
 <p:sld xmlns:a="http://schemas.openxmlformats.org/drawingml/2006/main" xmlns:r="http://schemas.openxmlformats.org/officeDocument/2006/relationships" xmlns:p="http://schemas.openxmlformats.org/presentationml/2006/main">
   <p:cSld>
     <p:spTree>
@@ -5647,34 +5823,71 @@
         </p:nvSpPr>
         <p:spPr/>
         <p:txBody>
-          <a:bodyPr/>
+          <a:bodyPr>
+            <a:normAutofit fontScale="90000"/>
+          </a:bodyPr>
           <a:lstStyle/>
           <a:p>
             <a:r>
-              <a:rPr lang="da-DK" dirty="0"/>
-              <a:t> </a:t>
-            </a:r>
-            <a:r>
-              <a:rPr lang="en-GB" dirty="0" err="1"/>
+              <a:rPr lang="da-DK" dirty="0">
+                <a:solidFill>
+                  <a:srgbClr val="00B050"/>
+                </a:solidFill>
+                <a:latin typeface="Rockwell" panose="02060603020205020403" pitchFamily="18" charset="77"/>
+              </a:rPr>
+              <a:t> </a:t>
+            </a:r>
+            <a:r>
+              <a:rPr lang="en-GB" dirty="0" err="1">
+                <a:solidFill>
+                  <a:srgbClr val="00B050"/>
+                </a:solidFill>
+                <a:latin typeface="Rockwell" panose="02060603020205020403" pitchFamily="18" charset="77"/>
+              </a:rPr>
               <a:t>mundtlighed</a:t>
             </a:r>
             <a:r>
-              <a:rPr lang="en-GB" dirty="0"/>
+              <a:rPr lang="en-GB" dirty="0">
+                <a:solidFill>
+                  <a:srgbClr val="00B050"/>
+                </a:solidFill>
+                <a:latin typeface="Rockwell" panose="02060603020205020403" pitchFamily="18" charset="77"/>
+              </a:rPr>
               <a:t> --</a:t>
             </a:r>
             <a:r>
-              <a:rPr lang="en-GB" dirty="0" err="1"/>
+              <a:rPr lang="en-GB" dirty="0" err="1">
+                <a:solidFill>
+                  <a:srgbClr val="00B050"/>
+                </a:solidFill>
+                <a:latin typeface="Rockwell" panose="02060603020205020403" pitchFamily="18" charset="77"/>
+              </a:rPr>
               <a:t>mundtlig</a:t>
             </a:r>
             <a:r>
-              <a:rPr lang="en-GB" dirty="0"/>
-              <a:t> </a:t>
-            </a:r>
-            <a:r>
-              <a:rPr dirty="0" err="1"/>
+              <a:rPr lang="en-GB" dirty="0">
+                <a:solidFill>
+                  <a:srgbClr val="00B050"/>
+                </a:solidFill>
+                <a:latin typeface="Rockwell" panose="02060603020205020403" pitchFamily="18" charset="77"/>
+              </a:rPr>
+              <a:t> </a:t>
+            </a:r>
+            <a:r>
+              <a:rPr dirty="0" err="1">
+                <a:solidFill>
+                  <a:srgbClr val="00B050"/>
+                </a:solidFill>
+                <a:latin typeface="Rockwell" panose="02060603020205020403" pitchFamily="18" charset="77"/>
+              </a:rPr>
               <a:t>oplæg</a:t>
             </a:r>
-            <a:endParaRPr dirty="0"/>
+            <a:endParaRPr dirty="0">
+              <a:solidFill>
+                <a:srgbClr val="00B050"/>
+              </a:solidFill>
+              <a:latin typeface="Rockwell" panose="02060603020205020403" pitchFamily="18" charset="77"/>
+            </a:endParaRPr>
           </a:p>
         </p:txBody>
       </p:sp>
@@ -5833,7 +6046,7 @@
 </p:sld>
 </file>
 
-<file path=ppt/slides/slide14.xml><?xml version="1.0" encoding="utf-8"?>
+<file path=ppt/slides/slide15.xml><?xml version="1.0" encoding="utf-8"?>
 <p:sld xmlns:a="http://schemas.openxmlformats.org/drawingml/2006/main" xmlns:r="http://schemas.openxmlformats.org/officeDocument/2006/relationships" xmlns:p="http://schemas.openxmlformats.org/presentationml/2006/main">
   <p:cSld>
     <p:spTree>
@@ -5872,7 +6085,12 @@
           <a:lstStyle/>
           <a:p>
             <a:r>
-              <a:rPr lang="en-DK" dirty="0"/>
+              <a:rPr lang="en-DK" dirty="0">
+                <a:solidFill>
+                  <a:srgbClr val="00B050"/>
+                </a:solidFill>
+                <a:latin typeface="Rockwell" panose="02060603020205020403" pitchFamily="18" charset="77"/>
+              </a:rPr>
               <a:t>Oplæg -Kilder reference</a:t>
             </a:r>
           </a:p>
@@ -6236,7 +6454,7 @@
 </p:sld>
 </file>
 
-<file path=ppt/slides/slide15.xml><?xml version="1.0" encoding="utf-8"?>
+<file path=ppt/slides/slide16.xml><?xml version="1.0" encoding="utf-8"?>
 <p:sld xmlns:a="http://schemas.openxmlformats.org/drawingml/2006/main" xmlns:r="http://schemas.openxmlformats.org/officeDocument/2006/relationships" xmlns:p="http://schemas.openxmlformats.org/presentationml/2006/main">
   <p:cSld>
     <p:spTree>
@@ -6269,8 +6487,29 @@
           <a:lstStyle/>
           <a:p>
             <a:r>
-              <a:t>Matrix-undervisning</a:t>
-            </a:r>
+              <a:rPr dirty="0">
+                <a:solidFill>
+                  <a:srgbClr val="00B050"/>
+                </a:solidFill>
+                <a:latin typeface="Rockwell" panose="02060603020205020403" pitchFamily="18" charset="77"/>
+              </a:rPr>
+              <a:t>Matrix-</a:t>
+            </a:r>
+            <a:r>
+              <a:rPr dirty="0" err="1">
+                <a:solidFill>
+                  <a:srgbClr val="00B050"/>
+                </a:solidFill>
+                <a:latin typeface="Rockwell" panose="02060603020205020403" pitchFamily="18" charset="77"/>
+              </a:rPr>
+              <a:t>undervisning</a:t>
+            </a:r>
+            <a:endParaRPr dirty="0">
+              <a:solidFill>
+                <a:srgbClr val="00B050"/>
+              </a:solidFill>
+              <a:latin typeface="Rockwell" panose="02060603020205020403" pitchFamily="18" charset="77"/>
+            </a:endParaRPr>
           </a:p>
         </p:txBody>
       </p:sp>
@@ -6465,7 +6704,7 @@
 </p:sld>
 </file>
 
-<file path=ppt/slides/slide16.xml><?xml version="1.0" encoding="utf-8"?>
+<file path=ppt/slides/slide17.xml><?xml version="1.0" encoding="utf-8"?>
 <p:sld xmlns:a="http://schemas.openxmlformats.org/drawingml/2006/main" xmlns:r="http://schemas.openxmlformats.org/officeDocument/2006/relationships" xmlns:p="http://schemas.openxmlformats.org/presentationml/2006/main">
   <p:cSld>
     <p:spTree>
@@ -6504,7 +6743,12 @@
           <a:lstStyle/>
           <a:p>
             <a:r>
-              <a:rPr lang="en-DK" dirty="0"/>
+              <a:rPr lang="en-DK" dirty="0">
+                <a:solidFill>
+                  <a:schemeClr val="accent1"/>
+                </a:solidFill>
+                <a:latin typeface="Rockwell" panose="02060603020205020403" pitchFamily="18" charset="77"/>
+              </a:rPr>
               <a:t>Reference</a:t>
             </a:r>
           </a:p>
@@ -6695,7 +6939,43 @@
                 </a:solidFill>
                 <a:latin typeface="Segoe UI" panose="020B0502040204020203" pitchFamily="34" charset="0"/>
               </a:rPr>
-              <a:t>, J.P., Bi, X. (2023). Pair-Teamwork Effect on First Semester IT Students to Achieve Collaborative Learning Through Social Relations. In: Marcus, A., Rosenzweig, E., Soares, M.M. (eds) Design, User Experience, and Usability. HCII 2023. Lecture Notes in Computer Science, vol 14033. Springer, Cham. https://</a:t>
+              <a:t>, J.P., Bi, X. (2023). Pair-Teamwork Effect on First Semester IT Students to Achieve Collaborative Learning Through Social Relations. In: Marcus, A., Rosenzweig, E., Soares, M.M. (eds) Design, User Experience, and Usability. HCII 2023. Lecture Notes in Computer Science, vol 14033. Springer, Cham. </a:t>
+            </a:r>
+            <a:r>
+              <a:rPr lang="en-GB" sz="1400" i="1" dirty="0">
+                <a:solidFill>
+                  <a:srgbClr val="242424"/>
+                </a:solidFill>
+                <a:latin typeface="Segoe UI" panose="020B0502040204020203" pitchFamily="34" charset="0"/>
+                <a:hlinkClick r:id="rId2"/>
+              </a:rPr>
+              <a:t>https://doi.org/10.1007/978-3-031-35708-4_12</a:t>
+            </a:r>
+            <a:endParaRPr lang="en-GB" sz="1400" i="1" dirty="0">
+              <a:solidFill>
+                <a:srgbClr val="242424"/>
+              </a:solidFill>
+              <a:latin typeface="Segoe UI" panose="020B0502040204020203" pitchFamily="34" charset="0"/>
+            </a:endParaRPr>
+          </a:p>
+          <a:p>
+            <a:endParaRPr lang="en-GB" sz="1400" i="1" dirty="0">
+              <a:solidFill>
+                <a:srgbClr val="242424"/>
+              </a:solidFill>
+              <a:latin typeface="Segoe UI" panose="020B0502040204020203" pitchFamily="34" charset="0"/>
+            </a:endParaRPr>
+          </a:p>
+          <a:p>
+            <a:pPr algn="l"/>
+            <a:r>
+              <a:rPr lang="en-GB" sz="1400" i="1" dirty="0">
+                <a:solidFill>
+                  <a:srgbClr val="242424"/>
+                </a:solidFill>
+                <a:latin typeface="Segoe UI" panose="020B0502040204020203" pitchFamily="34" charset="0"/>
+              </a:rPr>
+              <a:t> Jesper Buch(2025). </a:t>
             </a:r>
             <a:r>
               <a:rPr lang="en-GB" sz="1400" i="1" dirty="0" err="1">
@@ -6704,7 +6984,7 @@
                 </a:solidFill>
                 <a:latin typeface="Segoe UI" panose="020B0502040204020203" pitchFamily="34" charset="0"/>
               </a:rPr>
-              <a:t>doi.org</a:t>
+              <a:t>Programmering</a:t>
             </a:r>
             <a:r>
               <a:rPr lang="en-GB" sz="1400" i="1" dirty="0">
@@ -6713,8 +6993,52 @@
                 </a:solidFill>
                 <a:latin typeface="Segoe UI" panose="020B0502040204020203" pitchFamily="34" charset="0"/>
               </a:rPr>
-              <a:t>/10.1007/978-3-031-35708-4_12</a:t>
-            </a:r>
+              <a:t>. </a:t>
+            </a:r>
+            <a:r>
+              <a:rPr lang="en-GB" sz="1400" i="1" dirty="0" err="1">
+                <a:solidFill>
+                  <a:srgbClr val="242424"/>
+                </a:solidFill>
+                <a:latin typeface="Segoe UI" panose="020B0502040204020203" pitchFamily="34" charset="0"/>
+              </a:rPr>
+              <a:t>Systime</a:t>
+            </a:r>
+            <a:r>
+              <a:rPr lang="en-GB" sz="1400" i="1" dirty="0">
+                <a:solidFill>
+                  <a:srgbClr val="242424"/>
+                </a:solidFill>
+                <a:latin typeface="Segoe UI" panose="020B0502040204020203" pitchFamily="34" charset="0"/>
+              </a:rPr>
+              <a:t>. https://</a:t>
+            </a:r>
+            <a:r>
+              <a:rPr lang="en-GB" sz="1400" i="1" dirty="0" err="1">
+                <a:solidFill>
+                  <a:srgbClr val="242424"/>
+                </a:solidFill>
+                <a:latin typeface="Segoe UI" panose="020B0502040204020203" pitchFamily="34" charset="0"/>
+              </a:rPr>
+              <a:t>programmering.systime.dk</a:t>
+            </a:r>
+            <a:r>
+              <a:rPr lang="en-GB" sz="1400" i="1" dirty="0">
+                <a:solidFill>
+                  <a:srgbClr val="242424"/>
+                </a:solidFill>
+                <a:latin typeface="Segoe UI" panose="020B0502040204020203" pitchFamily="34" charset="0"/>
+              </a:rPr>
+              <a:t>/?id=1</a:t>
+            </a:r>
+          </a:p>
+          <a:p>
+            <a:pPr marL="0" indent="0">
+              <a:buNone/>
+            </a:pPr>
+            <a:br>
+              <a:rPr lang="en-GB" sz="1000" dirty="0"/>
+            </a:br>
             <a:endParaRPr lang="en-DK" sz="1400" i="1" dirty="0">
               <a:solidFill>
                 <a:srgbClr val="242424"/>
@@ -7586,7 +7910,7 @@
                   <a:srgbClr val="333333"/>
                 </a:solidFill>
                 <a:effectLst/>
-                <a:latin typeface="Noto Sans" panose="020B0502040504020204" pitchFamily="34" charset="0"/>
+                <a:latin typeface="Rockwell" panose="02060603020205020403" pitchFamily="18" charset="77"/>
               </a:rPr>
               <a:t>Dokumentation</a:t>
             </a:r>
@@ -7596,7 +7920,7 @@
                   <a:srgbClr val="333333"/>
                 </a:solidFill>
                 <a:effectLst/>
-                <a:latin typeface="Noto Sans" panose="020B0502040504020204" pitchFamily="34" charset="0"/>
+                <a:latin typeface="Rockwell" panose="02060603020205020403" pitchFamily="18" charset="77"/>
               </a:rPr>
               <a:t> </a:t>
             </a:r>
@@ -7606,7 +7930,7 @@
                   <a:srgbClr val="333333"/>
                 </a:solidFill>
                 <a:effectLst/>
-                <a:latin typeface="Noto Sans" panose="020B0502040504020204" pitchFamily="34" charset="0"/>
+                <a:latin typeface="Rockwell" panose="02060603020205020403" pitchFamily="18" charset="77"/>
               </a:rPr>
               <a:t>af</a:t>
             </a:r>
@@ -7616,7 +7940,7 @@
                   <a:srgbClr val="333333"/>
                 </a:solidFill>
                 <a:effectLst/>
-                <a:latin typeface="Noto Sans" panose="020B0502040504020204" pitchFamily="34" charset="0"/>
+                <a:latin typeface="Rockwell" panose="02060603020205020403" pitchFamily="18" charset="77"/>
               </a:rPr>
               <a:t> et </a:t>
             </a:r>
@@ -7626,11 +7950,13 @@
                   <a:srgbClr val="333333"/>
                 </a:solidFill>
                 <a:effectLst/>
-                <a:latin typeface="Noto Sans" panose="020B0502040504020204" pitchFamily="34" charset="0"/>
+                <a:latin typeface="Rockwell" panose="02060603020205020403" pitchFamily="18" charset="77"/>
               </a:rPr>
               <a:t>programmeringsprojekt</a:t>
             </a:r>
-            <a:endParaRPr lang="en-DK" dirty="0"/>
+            <a:endParaRPr lang="en-DK" dirty="0">
+              <a:latin typeface="Rockwell" panose="02060603020205020403" pitchFamily="18" charset="77"/>
+            </a:endParaRPr>
           </a:p>
         </p:txBody>
       </p:sp>
@@ -7734,11 +8060,15 @@
           <a:lstStyle/>
           <a:p>
             <a:r>
-              <a:rPr lang="en-GB" dirty="0"/>
+              <a:rPr lang="en-GB" dirty="0">
+                <a:latin typeface="Rockwell" panose="02060603020205020403" pitchFamily="18" charset="77"/>
+              </a:rPr>
               <a:t>I</a:t>
             </a:r>
             <a:r>
-              <a:rPr lang="en-DK" dirty="0"/>
+              <a:rPr lang="en-DK" dirty="0">
+                <a:latin typeface="Rockwell" panose="02060603020205020403" pitchFamily="18" charset="77"/>
+              </a:rPr>
               <a:t> Rapport</a:t>
             </a:r>
           </a:p>
